--- a/Final project Presentation.pptx
+++ b/Final project Presentation.pptx
@@ -7,9 +7,10 @@
   <p:sldIdLst>
     <p:sldId id="256" r:id="rId2"/>
     <p:sldId id="257" r:id="rId3"/>
-    <p:sldId id="258" r:id="rId4"/>
+    <p:sldId id="260" r:id="rId4"/>
     <p:sldId id="259" r:id="rId5"/>
-    <p:sldId id="260" r:id="rId6"/>
+    <p:sldId id="258" r:id="rId6"/>
+    <p:sldId id="261" r:id="rId7"/>
   </p:sldIdLst>
   <p:sldSz cx="12192000" cy="6858000"/>
   <p:notesSz cx="6858000" cy="9144000"/>
@@ -108,6 +109,11 @@
       </a:defRPr>
     </a:lvl9pPr>
   </p:defaultTextStyle>
+  <p:extLst>
+    <p:ext uri="{EFAFB233-063F-42B5-8137-9DF3F51BA10A}">
+      <p15:sldGuideLst xmlns:p15="http://schemas.microsoft.com/office/powerpoint/2012/main"/>
+    </p:ext>
+  </p:extLst>
 </p:presentation>
 </file>
 
@@ -274,7 +280,7 @@
           <a:p>
             <a:fld id="{D4A213A3-10E9-421F-81BE-56E0786AB515}" type="datetime2">
               <a:rPr lang="en-US" smtClean="0"/>
-              <a:t>Saturday, November 21, 2020</a:t>
+              <a:t>Tuesday, November 24, 2020</a:t>
             </a:fld>
             <a:endParaRPr lang="en-US"/>
           </a:p>
@@ -472,7 +478,7 @@
           <a:p>
             <a:fld id="{3D5DABC0-2199-478F-BA77-33A651B6CB89}" type="datetime2">
               <a:rPr lang="en-US" smtClean="0"/>
-              <a:t>Saturday, November 21, 2020</a:t>
+              <a:t>Tuesday, November 24, 2020</a:t>
             </a:fld>
             <a:endParaRPr lang="en-US"/>
           </a:p>
@@ -681,7 +687,7 @@
           <a:p>
             <a:fld id="{D72230C6-DF61-47F4-B8C5-1B70E884BF06}" type="datetime2">
               <a:rPr lang="en-US" smtClean="0"/>
-              <a:t>Saturday, November 21, 2020</a:t>
+              <a:t>Tuesday, November 24, 2020</a:t>
             </a:fld>
             <a:endParaRPr lang="en-US"/>
           </a:p>
@@ -891,7 +897,7 @@
           <a:p>
             <a:fld id="{6B12B50C-7EEE-46CD-BAF7-BBC4026D959A}" type="datetime2">
               <a:rPr lang="en-US" smtClean="0"/>
-              <a:t>Saturday, November 21, 2020</a:t>
+              <a:t>Tuesday, November 24, 2020</a:t>
             </a:fld>
             <a:endParaRPr lang="en-US"/>
           </a:p>
@@ -1171,7 +1177,7 @@
           <a:p>
             <a:fld id="{8D4211C4-AE09-4254-A5E3-6DA9B099C971}" type="datetime2">
               <a:rPr lang="en-US" smtClean="0"/>
-              <a:t>Saturday, November 21, 2020</a:t>
+              <a:t>Tuesday, November 24, 2020</a:t>
             </a:fld>
             <a:endParaRPr lang="en-US"/>
           </a:p>
@@ -1450,7 +1456,7 @@
           <a:p>
             <a:fld id="{681742C3-E082-4760-93B2-E209268DD00C}" type="datetime2">
               <a:rPr lang="en-US" smtClean="0"/>
-              <a:t>Saturday, November 21, 2020</a:t>
+              <a:t>Tuesday, November 24, 2020</a:t>
             </a:fld>
             <a:endParaRPr lang="en-US"/>
           </a:p>
@@ -1871,7 +1877,7 @@
           <a:p>
             <a:fld id="{3B6FC950-F824-48B9-B984-CAEE265865E5}" type="datetime2">
               <a:rPr lang="en-US" smtClean="0"/>
-              <a:t>Saturday, November 21, 2020</a:t>
+              <a:t>Tuesday, November 24, 2020</a:t>
             </a:fld>
             <a:endParaRPr lang="en-US"/>
           </a:p>
@@ -2024,7 +2030,7 @@
           <a:p>
             <a:fld id="{BC8E3A0F-68E7-4D17-BB84-ED1BA4F6AC6B}" type="datetime2">
               <a:rPr lang="en-US" smtClean="0"/>
-              <a:t>Saturday, November 21, 2020</a:t>
+              <a:t>Tuesday, November 24, 2020</a:t>
             </a:fld>
             <a:endParaRPr lang="en-US"/>
           </a:p>
@@ -2137,7 +2143,7 @@
           <a:p>
             <a:fld id="{EDB7BC4F-EDA1-4BA2-BFF3-FE5B31CCB58B}" type="datetime2">
               <a:rPr lang="en-US" smtClean="0"/>
-              <a:t>Saturday, November 21, 2020</a:t>
+              <a:t>Tuesday, November 24, 2020</a:t>
             </a:fld>
             <a:endParaRPr lang="en-US"/>
           </a:p>
@@ -2451,7 +2457,7 @@
           <a:p>
             <a:fld id="{3AAE694C-1394-4838-A564-7380835C2E77}" type="datetime2">
               <a:rPr lang="en-US" smtClean="0"/>
-              <a:t>Saturday, November 21, 2020</a:t>
+              <a:t>Tuesday, November 24, 2020</a:t>
             </a:fld>
             <a:endParaRPr lang="en-US"/>
           </a:p>
@@ -2744,7 +2750,7 @@
           <a:p>
             <a:fld id="{CAB84B19-1A00-4EDB-8425-E1827A377364}" type="datetime2">
               <a:rPr lang="en-US" smtClean="0"/>
-              <a:t>Saturday, November 21, 2020</a:t>
+              <a:t>Tuesday, November 24, 2020</a:t>
             </a:fld>
             <a:endParaRPr lang="en-US"/>
           </a:p>
@@ -3113,7 +3119,7 @@
           <a:p>
             <a:fld id="{10076A27-8146-4F75-9851-A83577C6FD8A}" type="datetime2">
               <a:rPr lang="en-US" smtClean="0"/>
-              <a:t>Saturday, November 21, 2020</a:t>
+              <a:t>Tuesday, November 24, 2020</a:t>
             </a:fld>
             <a:endParaRPr lang="en-US"/>
           </a:p>
@@ -4195,7 +4201,13 @@
           <a:p>
             <a:r>
               <a:rPr lang="en-US" dirty="0"/>
-              <a:t>JavaScript with Flask as the engine</a:t>
+              <a:t>JavaScript with Flask</a:t>
+            </a:r>
+          </a:p>
+          <a:p>
+            <a:r>
+              <a:rPr lang="en-US" dirty="0"/>
+              <a:t>D3 for Visualizations</a:t>
             </a:r>
           </a:p>
           <a:p>
@@ -4259,7 +4271,7 @@
           <p:cNvPr id="2" name="Title 1">
             <a:extLst>
               <a:ext uri="{FF2B5EF4-FFF2-40B4-BE49-F238E27FC236}">
-                <a16:creationId xmlns:a16="http://schemas.microsoft.com/office/drawing/2014/main" id="{E3662930-9BBA-45FC-8CAA-101904758C83}"/>
+                <a16:creationId xmlns:a16="http://schemas.microsoft.com/office/drawing/2014/main" id="{AE8BEB1A-C1A9-461D-ABFA-A3637E4F8FF9}"/>
               </a:ext>
             </a:extLst>
           </p:cNvPr>
@@ -4272,33 +4284,29 @@
         </p:nvSpPr>
         <p:spPr/>
         <p:txBody>
-          <a:bodyPr>
-            <a:normAutofit fontScale="90000"/>
-          </a:bodyPr>
+          <a:bodyPr/>
           <a:lstStyle/>
           <a:p>
             <a:r>
               <a:rPr lang="en-US" dirty="0"/>
-              <a:t>Average profit expectation per odds</a:t>
+              <a:t>Machine learning model</a:t>
             </a:r>
           </a:p>
         </p:txBody>
       </p:sp>
       <p:pic>
         <p:nvPicPr>
-          <p:cNvPr id="6" name="Content Placeholder 5">
-            <a:extLst>
-              <a:ext uri="{FF2B5EF4-FFF2-40B4-BE49-F238E27FC236}">
-                <a16:creationId xmlns:a16="http://schemas.microsoft.com/office/drawing/2014/main" id="{B1ED3869-0B9F-4A59-882D-74E44357D884}"/>
+          <p:cNvPr id="8" name="Picture 7">
+            <a:extLst>
+              <a:ext uri="{FF2B5EF4-FFF2-40B4-BE49-F238E27FC236}">
+                <a16:creationId xmlns:a16="http://schemas.microsoft.com/office/drawing/2014/main" id="{C6E65A4F-88F6-4191-9DB7-57B7FF54ED1E}"/>
               </a:ext>
             </a:extLst>
           </p:cNvPr>
           <p:cNvPicPr>
-            <a:picLocks noGrp="1" noChangeAspect="1"/>
+            <a:picLocks noChangeAspect="1"/>
           </p:cNvPicPr>
-          <p:nvPr>
-            <p:ph idx="1"/>
-          </p:nvPr>
+          <p:nvPr/>
         </p:nvPicPr>
         <p:blipFill>
           <a:blip r:embed="rId2">
@@ -4314,49 +4322,335 @@
         </p:blipFill>
         <p:spPr>
           <a:xfrm>
-            <a:off x="5648325" y="1661648"/>
-            <a:ext cx="5707063" cy="3525178"/>
+            <a:off x="272072" y="4393539"/>
+            <a:ext cx="4548500" cy="1881401"/>
           </a:xfrm>
+          <a:prstGeom prst="rect">
+            <a:avLst/>
+          </a:prstGeom>
         </p:spPr>
       </p:pic>
-      <p:sp>
-        <p:nvSpPr>
-          <p:cNvPr id="4" name="Text Placeholder 3">
-            <a:extLst>
-              <a:ext uri="{FF2B5EF4-FFF2-40B4-BE49-F238E27FC236}">
-                <a16:creationId xmlns:a16="http://schemas.microsoft.com/office/drawing/2014/main" id="{4A9B8F02-AD08-4361-8963-D05E50F12FB5}"/>
-              </a:ext>
-            </a:extLst>
-          </p:cNvPr>
-          <p:cNvSpPr>
-            <a:spLocks noGrp="1"/>
-          </p:cNvSpPr>
-          <p:nvPr>
-            <p:ph type="body" sz="half" idx="2"/>
-          </p:nvPr>
-        </p:nvSpPr>
-        <p:spPr/>
-        <p:txBody>
-          <a:bodyPr/>
+      <p:pic>
+        <p:nvPicPr>
+          <p:cNvPr id="10" name="Picture 9">
+            <a:extLst>
+              <a:ext uri="{FF2B5EF4-FFF2-40B4-BE49-F238E27FC236}">
+                <a16:creationId xmlns:a16="http://schemas.microsoft.com/office/drawing/2014/main" id="{5677A8F7-686E-4789-AABB-EAFD25AAE75C}"/>
+              </a:ext>
+            </a:extLst>
+          </p:cNvPr>
+          <p:cNvPicPr>
+            <a:picLocks noChangeAspect="1"/>
+          </p:cNvPicPr>
+          <p:nvPr/>
+        </p:nvPicPr>
+        <p:blipFill>
+          <a:blip r:embed="rId3">
+            <a:extLst>
+              <a:ext uri="{28A0092B-C50C-407E-A947-70E740481C1C}">
+                <a14:useLocalDpi xmlns:a14="http://schemas.microsoft.com/office/drawing/2010/main" val="0"/>
+              </a:ext>
+            </a:extLst>
+          </a:blip>
+          <a:stretch>
+            <a:fillRect/>
+          </a:stretch>
+        </p:blipFill>
+        <p:spPr>
+          <a:xfrm>
+            <a:off x="292963" y="1890508"/>
+            <a:ext cx="4026650" cy="2386582"/>
+          </a:xfrm>
+          <a:prstGeom prst="rect">
+            <a:avLst/>
+          </a:prstGeom>
+        </p:spPr>
+      </p:pic>
+      <p:pic>
+        <p:nvPicPr>
+          <p:cNvPr id="12" name="Picture 11">
+            <a:extLst>
+              <a:ext uri="{FF2B5EF4-FFF2-40B4-BE49-F238E27FC236}">
+                <a16:creationId xmlns:a16="http://schemas.microsoft.com/office/drawing/2014/main" id="{E26980A9-693B-4126-810F-A10A1E9C3EA6}"/>
+              </a:ext>
+            </a:extLst>
+          </p:cNvPr>
+          <p:cNvPicPr>
+            <a:picLocks noChangeAspect="1"/>
+          </p:cNvPicPr>
+          <p:nvPr/>
+        </p:nvPicPr>
+        <p:blipFill>
+          <a:blip r:embed="rId4">
+            <a:extLst>
+              <a:ext uri="{28A0092B-C50C-407E-A947-70E740481C1C}">
+                <a14:useLocalDpi xmlns:a14="http://schemas.microsoft.com/office/drawing/2010/main" val="0"/>
+              </a:ext>
+            </a:extLst>
+          </a:blip>
+          <a:stretch>
+            <a:fillRect/>
+          </a:stretch>
+        </p:blipFill>
+        <p:spPr>
+          <a:xfrm>
+            <a:off x="5380709" y="4410158"/>
+            <a:ext cx="3300370" cy="769209"/>
+          </a:xfrm>
+          <a:prstGeom prst="rect">
+            <a:avLst/>
+          </a:prstGeom>
+        </p:spPr>
+      </p:pic>
+      <p:pic>
+        <p:nvPicPr>
+          <p:cNvPr id="14" name="Picture 13">
+            <a:extLst>
+              <a:ext uri="{FF2B5EF4-FFF2-40B4-BE49-F238E27FC236}">
+                <a16:creationId xmlns:a16="http://schemas.microsoft.com/office/drawing/2014/main" id="{682A9EBC-7210-49FE-BB0A-CD8972CCFF66}"/>
+              </a:ext>
+            </a:extLst>
+          </p:cNvPr>
+          <p:cNvPicPr>
+            <a:picLocks noChangeAspect="1"/>
+          </p:cNvPicPr>
+          <p:nvPr/>
+        </p:nvPicPr>
+        <p:blipFill>
+          <a:blip r:embed="rId5">
+            <a:extLst>
+              <a:ext uri="{28A0092B-C50C-407E-A947-70E740481C1C}">
+                <a14:useLocalDpi xmlns:a14="http://schemas.microsoft.com/office/drawing/2010/main" val="0"/>
+              </a:ext>
+            </a:extLst>
+          </a:blip>
+          <a:stretch>
+            <a:fillRect/>
+          </a:stretch>
+        </p:blipFill>
+        <p:spPr>
+          <a:xfrm>
+            <a:off x="5380708" y="3373742"/>
+            <a:ext cx="3097326" cy="647699"/>
+          </a:xfrm>
+          <a:prstGeom prst="rect">
+            <a:avLst/>
+          </a:prstGeom>
+        </p:spPr>
+      </p:pic>
+      <p:pic>
+        <p:nvPicPr>
+          <p:cNvPr id="16" name="Picture 15">
+            <a:extLst>
+              <a:ext uri="{FF2B5EF4-FFF2-40B4-BE49-F238E27FC236}">
+                <a16:creationId xmlns:a16="http://schemas.microsoft.com/office/drawing/2014/main" id="{5F8F55EE-3AF4-4144-8385-10AD774F5982}"/>
+              </a:ext>
+            </a:extLst>
+          </p:cNvPr>
+          <p:cNvPicPr>
+            <a:picLocks noChangeAspect="1"/>
+          </p:cNvPicPr>
+          <p:nvPr/>
+        </p:nvPicPr>
+        <p:blipFill>
+          <a:blip r:embed="rId6">
+            <a:extLst>
+              <a:ext uri="{28A0092B-C50C-407E-A947-70E740481C1C}">
+                <a14:useLocalDpi xmlns:a14="http://schemas.microsoft.com/office/drawing/2010/main" val="0"/>
+              </a:ext>
+            </a:extLst>
+          </a:blip>
+          <a:stretch>
+            <a:fillRect/>
+          </a:stretch>
+        </p:blipFill>
+        <p:spPr>
+          <a:xfrm>
+            <a:off x="5313991" y="1918834"/>
+            <a:ext cx="3166929" cy="672309"/>
+          </a:xfrm>
+          <a:prstGeom prst="rect">
+            <a:avLst/>
+          </a:prstGeom>
+        </p:spPr>
+      </p:pic>
+      <p:cxnSp>
+        <p:nvCxnSpPr>
+          <p:cNvPr id="18" name="Straight Connector 17">
+            <a:extLst>
+              <a:ext uri="{FF2B5EF4-FFF2-40B4-BE49-F238E27FC236}">
+                <a16:creationId xmlns:a16="http://schemas.microsoft.com/office/drawing/2014/main" id="{56E6E948-65CB-4F65-848F-77B6075543B1}"/>
+              </a:ext>
+            </a:extLst>
+          </p:cNvPr>
+          <p:cNvCxnSpPr/>
+          <p:nvPr/>
+        </p:nvCxnSpPr>
+        <p:spPr>
+          <a:xfrm>
+            <a:off x="5282208" y="1793289"/>
+            <a:ext cx="0" cy="4346290"/>
+          </a:xfrm>
+          <a:prstGeom prst="line">
+            <a:avLst/>
+          </a:prstGeom>
+        </p:spPr>
+        <p:style>
+          <a:lnRef idx="2">
+            <a:schemeClr val="dk1"/>
+          </a:lnRef>
+          <a:fillRef idx="0">
+            <a:schemeClr val="dk1"/>
+          </a:fillRef>
+          <a:effectRef idx="1">
+            <a:schemeClr val="dk1"/>
+          </a:effectRef>
+          <a:fontRef idx="minor">
+            <a:schemeClr val="tx1"/>
+          </a:fontRef>
+        </p:style>
+      </p:cxnSp>
+      <p:cxnSp>
+        <p:nvCxnSpPr>
+          <p:cNvPr id="20" name="Straight Connector 19">
+            <a:extLst>
+              <a:ext uri="{FF2B5EF4-FFF2-40B4-BE49-F238E27FC236}">
+                <a16:creationId xmlns:a16="http://schemas.microsoft.com/office/drawing/2014/main" id="{A470FAFC-DD74-48A5-A59A-3DE736279C90}"/>
+              </a:ext>
+            </a:extLst>
+          </p:cNvPr>
+          <p:cNvCxnSpPr/>
+          <p:nvPr/>
+        </p:nvCxnSpPr>
+        <p:spPr>
+          <a:xfrm>
+            <a:off x="292963" y="4323425"/>
+            <a:ext cx="11653538" cy="0"/>
+          </a:xfrm>
+          <a:prstGeom prst="line">
+            <a:avLst/>
+          </a:prstGeom>
+        </p:spPr>
+        <p:style>
+          <a:lnRef idx="2">
+            <a:schemeClr val="dk1"/>
+          </a:lnRef>
+          <a:fillRef idx="0">
+            <a:schemeClr val="dk1"/>
+          </a:fillRef>
+          <a:effectRef idx="1">
+            <a:schemeClr val="dk1"/>
+          </a:effectRef>
+          <a:fontRef idx="minor">
+            <a:schemeClr val="tx1"/>
+          </a:fontRef>
+        </p:style>
+      </p:cxnSp>
+      <p:sp>
+        <p:nvSpPr>
+          <p:cNvPr id="21" name="TextBox 20">
+            <a:extLst>
+              <a:ext uri="{FF2B5EF4-FFF2-40B4-BE49-F238E27FC236}">
+                <a16:creationId xmlns:a16="http://schemas.microsoft.com/office/drawing/2014/main" id="{6B6FE201-17E5-4A10-85EC-25A86AE7C3A1}"/>
+              </a:ext>
+            </a:extLst>
+          </p:cNvPr>
+          <p:cNvSpPr txBox="1"/>
+          <p:nvPr/>
+        </p:nvSpPr>
+        <p:spPr>
+          <a:xfrm>
+            <a:off x="5380708" y="5375527"/>
+            <a:ext cx="3300370" cy="378196"/>
+          </a:xfrm>
+          <a:prstGeom prst="rect">
+            <a:avLst/>
+          </a:prstGeom>
+          <a:noFill/>
+        </p:spPr>
+        <p:txBody>
+          <a:bodyPr wrap="square" rtlCol="0">
+            <a:spAutoFit/>
+          </a:bodyPr>
           <a:lstStyle/>
           <a:p>
             <a:r>
               <a:rPr lang="en-US" dirty="0"/>
-              <a:t>Better the odds will typically provide a higher probability of profit.</a:t>
-            </a:r>
-          </a:p>
-          <a:p>
-            <a:r>
-              <a:rPr lang="en-US" dirty="0"/>
-              <a:t>Higher profit on average for lower odds, but lower probability of winning</a:t>
-            </a:r>
-          </a:p>
-        </p:txBody>
-      </p:sp>
+              <a:t>Profit = -13.356 + 17.28 * odds</a:t>
+            </a:r>
+          </a:p>
+        </p:txBody>
+      </p:sp>
+      <p:pic>
+        <p:nvPicPr>
+          <p:cNvPr id="22" name="Picture 21">
+            <a:extLst>
+              <a:ext uri="{FF2B5EF4-FFF2-40B4-BE49-F238E27FC236}">
+                <a16:creationId xmlns:a16="http://schemas.microsoft.com/office/drawing/2014/main" id="{2BBDFF6C-3725-4C4C-BE9B-5C1AEF91F45C}"/>
+              </a:ext>
+            </a:extLst>
+          </p:cNvPr>
+          <p:cNvPicPr>
+            <a:picLocks noChangeAspect="1"/>
+          </p:cNvPicPr>
+          <p:nvPr/>
+        </p:nvPicPr>
+        <p:blipFill>
+          <a:blip r:embed="rId7"/>
+          <a:stretch>
+            <a:fillRect/>
+          </a:stretch>
+        </p:blipFill>
+        <p:spPr>
+          <a:xfrm>
+            <a:off x="8964577" y="1948017"/>
+            <a:ext cx="3097326" cy="1860045"/>
+          </a:xfrm>
+          <a:prstGeom prst="rect">
+            <a:avLst/>
+          </a:prstGeom>
+        </p:spPr>
+      </p:pic>
+      <p:pic>
+        <p:nvPicPr>
+          <p:cNvPr id="7" name="Picture 6">
+            <a:extLst>
+              <a:ext uri="{FF2B5EF4-FFF2-40B4-BE49-F238E27FC236}">
+                <a16:creationId xmlns:a16="http://schemas.microsoft.com/office/drawing/2014/main" id="{6B80F0FB-64F2-4E12-B108-4B77315EC6D1}"/>
+              </a:ext>
+            </a:extLst>
+          </p:cNvPr>
+          <p:cNvPicPr>
+            <a:picLocks noChangeAspect="1"/>
+          </p:cNvPicPr>
+          <p:nvPr/>
+        </p:nvPicPr>
+        <p:blipFill>
+          <a:blip r:embed="rId8">
+            <a:extLst>
+              <a:ext uri="{28A0092B-C50C-407E-A947-70E740481C1C}">
+                <a14:useLocalDpi xmlns:a14="http://schemas.microsoft.com/office/drawing/2010/main" val="0"/>
+              </a:ext>
+            </a:extLst>
+          </a:blip>
+          <a:stretch>
+            <a:fillRect/>
+          </a:stretch>
+        </p:blipFill>
+        <p:spPr>
+          <a:xfrm>
+            <a:off x="9924760" y="4344421"/>
+            <a:ext cx="1648879" cy="1930519"/>
+          </a:xfrm>
+          <a:prstGeom prst="rect">
+            <a:avLst/>
+          </a:prstGeom>
+        </p:spPr>
+      </p:pic>
     </p:spTree>
     <p:extLst>
       <p:ext uri="{BB962C8B-B14F-4D97-AF65-F5344CB8AC3E}">
-        <p14:creationId xmlns:p14="http://schemas.microsoft.com/office/powerpoint/2010/main" val="3241397502"/>
+        <p14:creationId xmlns:p14="http://schemas.microsoft.com/office/powerpoint/2010/main" val="3035487685"/>
       </p:ext>
     </p:extLst>
   </p:cSld>
@@ -4477,13 +4771,90 @@
           <a:p>
             <a:r>
               <a:rPr lang="en-US" dirty="0"/>
-              <a:t>Betters won 36% of the time when betting on odds within 2 to 3.</a:t>
+              <a:t>Gamblers won 36% of the time when betting on odds within 2 to 3.</a:t>
             </a:r>
           </a:p>
           <a:p>
             <a:r>
               <a:rPr lang="en-US" dirty="0"/>
               <a:t>As expected, the observed probability of winning drops down significantly as the betting odds get higher.</a:t>
+            </a:r>
+          </a:p>
+        </p:txBody>
+      </p:sp>
+      <p:sp>
+        <p:nvSpPr>
+          <p:cNvPr id="6" name="TextBox 5">
+            <a:extLst>
+              <a:ext uri="{FF2B5EF4-FFF2-40B4-BE49-F238E27FC236}">
+                <a16:creationId xmlns:a16="http://schemas.microsoft.com/office/drawing/2014/main" id="{D7125DFA-2E4D-4BC5-8A05-1A7ABC710123}"/>
+              </a:ext>
+            </a:extLst>
+          </p:cNvPr>
+          <p:cNvSpPr txBox="1"/>
+          <p:nvPr/>
+        </p:nvSpPr>
+        <p:spPr>
+          <a:xfrm>
+            <a:off x="1318755" y="5411168"/>
+            <a:ext cx="9357064" cy="307777"/>
+          </a:xfrm>
+          <a:prstGeom prst="rect">
+            <a:avLst/>
+          </a:prstGeom>
+          <a:noFill/>
+        </p:spPr>
+        <p:txBody>
+          <a:bodyPr wrap="square">
+            <a:spAutoFit/>
+          </a:bodyPr>
+          <a:lstStyle/>
+          <a:p>
+            <a:r>
+              <a:rPr lang="en-US" sz="1400" dirty="0">
+                <a:hlinkClick r:id="rId3"/>
+              </a:rPr>
+              <a:t>https://public.tableau.com/profile/david.moorman#!/vizhome/HorseRacingOddsBetting/OddsforBestChancetoWin?publish=yes</a:t>
+            </a:r>
+            <a:r>
+              <a:rPr lang="en-US" sz="1400" dirty="0"/>
+              <a:t> </a:t>
+            </a:r>
+          </a:p>
+        </p:txBody>
+      </p:sp>
+      <p:sp>
+        <p:nvSpPr>
+          <p:cNvPr id="5" name="TextBox 4">
+            <a:extLst>
+              <a:ext uri="{FF2B5EF4-FFF2-40B4-BE49-F238E27FC236}">
+                <a16:creationId xmlns:a16="http://schemas.microsoft.com/office/drawing/2014/main" id="{CE0A91DA-6BD1-4444-B593-DA4A474684A0}"/>
+              </a:ext>
+            </a:extLst>
+          </p:cNvPr>
+          <p:cNvSpPr txBox="1"/>
+          <p:nvPr/>
+        </p:nvSpPr>
+        <p:spPr>
+          <a:xfrm>
+            <a:off x="8007658" y="4834347"/>
+            <a:ext cx="2467992" cy="276999"/>
+          </a:xfrm>
+          <a:prstGeom prst="rect">
+            <a:avLst/>
+          </a:prstGeom>
+          <a:noFill/>
+        </p:spPr>
+        <p:txBody>
+          <a:bodyPr wrap="square" rtlCol="0">
+            <a:spAutoFit/>
+          </a:bodyPr>
+          <a:lstStyle/>
+          <a:p>
+            <a:pPr algn="ctr"/>
+            <a:r>
+              <a:rPr lang="en-US" sz="1200" dirty="0"/>
+              <a:t>ODDS RANGE</a:t>
             </a:r>
           </a:p>
         </p:txBody>
@@ -4523,7 +4894,7 @@
           <p:cNvPr id="2" name="Title 1">
             <a:extLst>
               <a:ext uri="{FF2B5EF4-FFF2-40B4-BE49-F238E27FC236}">
-                <a16:creationId xmlns:a16="http://schemas.microsoft.com/office/drawing/2014/main" id="{AE8BEB1A-C1A9-461D-ABFA-A3637E4F8FF9}"/>
+                <a16:creationId xmlns:a16="http://schemas.microsoft.com/office/drawing/2014/main" id="{E3662930-9BBA-45FC-8CAA-101904758C83}"/>
               </a:ext>
             </a:extLst>
           </p:cNvPr>
@@ -4536,29 +4907,33 @@
         </p:nvSpPr>
         <p:spPr/>
         <p:txBody>
-          <a:bodyPr/>
+          <a:bodyPr>
+            <a:normAutofit fontScale="90000"/>
+          </a:bodyPr>
           <a:lstStyle/>
           <a:p>
             <a:r>
               <a:rPr lang="en-US" dirty="0"/>
-              <a:t>Machine learning model</a:t>
+              <a:t>Average profit expectation per odds</a:t>
             </a:r>
           </a:p>
         </p:txBody>
       </p:sp>
       <p:pic>
         <p:nvPicPr>
-          <p:cNvPr id="8" name="Picture 7">
-            <a:extLst>
-              <a:ext uri="{FF2B5EF4-FFF2-40B4-BE49-F238E27FC236}">
-                <a16:creationId xmlns:a16="http://schemas.microsoft.com/office/drawing/2014/main" id="{C6E65A4F-88F6-4191-9DB7-57B7FF54ED1E}"/>
+          <p:cNvPr id="6" name="Content Placeholder 5">
+            <a:extLst>
+              <a:ext uri="{FF2B5EF4-FFF2-40B4-BE49-F238E27FC236}">
+                <a16:creationId xmlns:a16="http://schemas.microsoft.com/office/drawing/2014/main" id="{B1ED3869-0B9F-4A59-882D-74E44357D884}"/>
               </a:ext>
             </a:extLst>
           </p:cNvPr>
           <p:cNvPicPr>
-            <a:picLocks noChangeAspect="1"/>
+            <a:picLocks noGrp="1" noChangeAspect="1"/>
           </p:cNvPicPr>
-          <p:nvPr/>
+          <p:nvPr>
+            <p:ph idx="1"/>
+          </p:nvPr>
         </p:nvPicPr>
         <p:blipFill>
           <a:blip r:embed="rId2">
@@ -4574,30 +4949,121 @@
         </p:blipFill>
         <p:spPr>
           <a:xfrm>
-            <a:off x="6176667" y="1863403"/>
-            <a:ext cx="5769834" cy="2386582"/>
+            <a:off x="5648325" y="1661648"/>
+            <a:ext cx="5707063" cy="3525178"/>
           </a:xfrm>
-          <a:prstGeom prst="rect">
-            <a:avLst/>
-          </a:prstGeom>
         </p:spPr>
       </p:pic>
+      <p:sp>
+        <p:nvSpPr>
+          <p:cNvPr id="4" name="Text Placeholder 3">
+            <a:extLst>
+              <a:ext uri="{FF2B5EF4-FFF2-40B4-BE49-F238E27FC236}">
+                <a16:creationId xmlns:a16="http://schemas.microsoft.com/office/drawing/2014/main" id="{4A9B8F02-AD08-4361-8963-D05E50F12FB5}"/>
+              </a:ext>
+            </a:extLst>
+          </p:cNvPr>
+          <p:cNvSpPr>
+            <a:spLocks noGrp="1"/>
+          </p:cNvSpPr>
+          <p:nvPr>
+            <p:ph type="body" sz="half" idx="2"/>
+          </p:nvPr>
+        </p:nvSpPr>
+        <p:spPr/>
+        <p:txBody>
+          <a:bodyPr/>
+          <a:lstStyle/>
+          <a:p>
+            <a:r>
+              <a:rPr lang="en-US" dirty="0"/>
+              <a:t>Better the odds will typically provide a higher probability of profit.</a:t>
+            </a:r>
+          </a:p>
+          <a:p>
+            <a:r>
+              <a:rPr lang="en-US" dirty="0"/>
+              <a:t>Higher profit on average for lower odds, but lower probability of winning</a:t>
+            </a:r>
+          </a:p>
+        </p:txBody>
+      </p:sp>
+    </p:spTree>
+    <p:extLst>
+      <p:ext uri="{BB962C8B-B14F-4D97-AF65-F5344CB8AC3E}">
+        <p14:creationId xmlns:p14="http://schemas.microsoft.com/office/powerpoint/2010/main" val="3241397502"/>
+      </p:ext>
+    </p:extLst>
+  </p:cSld>
+  <p:clrMapOvr>
+    <a:masterClrMapping/>
+  </p:clrMapOvr>
+</p:sld>
+</file>
+
+<file path=ppt/slides/slide6.xml><?xml version="1.0" encoding="utf-8"?>
+<p:sld xmlns:a="http://schemas.openxmlformats.org/drawingml/2006/main" xmlns:r="http://schemas.openxmlformats.org/officeDocument/2006/relationships" xmlns:p="http://schemas.openxmlformats.org/presentationml/2006/main">
+  <p:cSld>
+    <p:spTree>
+      <p:nvGrpSpPr>
+        <p:cNvPr id="1" name=""/>
+        <p:cNvGrpSpPr/>
+        <p:nvPr/>
+      </p:nvGrpSpPr>
+      <p:grpSpPr>
+        <a:xfrm>
+          <a:off x="0" y="0"/>
+          <a:ext cx="0" cy="0"/>
+          <a:chOff x="0" y="0"/>
+          <a:chExt cx="0" cy="0"/>
+        </a:xfrm>
+      </p:grpSpPr>
+      <p:sp>
+        <p:nvSpPr>
+          <p:cNvPr id="2" name="Title 1">
+            <a:extLst>
+              <a:ext uri="{FF2B5EF4-FFF2-40B4-BE49-F238E27FC236}">
+                <a16:creationId xmlns:a16="http://schemas.microsoft.com/office/drawing/2014/main" id="{BA106C56-7F9C-461D-8893-781E167C653E}"/>
+              </a:ext>
+            </a:extLst>
+          </p:cNvPr>
+          <p:cNvSpPr>
+            <a:spLocks noGrp="1"/>
+          </p:cNvSpPr>
+          <p:nvPr>
+            <p:ph type="title"/>
+          </p:nvPr>
+        </p:nvSpPr>
+        <p:spPr/>
+        <p:txBody>
+          <a:bodyPr/>
+          <a:lstStyle/>
+          <a:p>
+            <a:r>
+              <a:rPr lang="en-US" dirty="0"/>
+              <a:t>How weather and track conditions can affect horse race outcomes</a:t>
+            </a:r>
+          </a:p>
+        </p:txBody>
+      </p:sp>
       <p:pic>
         <p:nvPicPr>
-          <p:cNvPr id="10" name="Picture 9">
-            <a:extLst>
-              <a:ext uri="{FF2B5EF4-FFF2-40B4-BE49-F238E27FC236}">
-                <a16:creationId xmlns:a16="http://schemas.microsoft.com/office/drawing/2014/main" id="{5677A8F7-686E-4789-AABB-EAFD25AAE75C}"/>
+          <p:cNvPr id="6" name="Content Placeholder 5">
+            <a:extLst>
+              <a:ext uri="{FF2B5EF4-FFF2-40B4-BE49-F238E27FC236}">
+                <a16:creationId xmlns:a16="http://schemas.microsoft.com/office/drawing/2014/main" id="{64EF5DEE-7419-42E2-B3CA-20C9C26ED5D1}"/>
               </a:ext>
             </a:extLst>
           </p:cNvPr>
           <p:cNvPicPr>
-            <a:picLocks noChangeAspect="1"/>
+            <a:picLocks noGrp="1" noChangeAspect="1"/>
           </p:cNvPicPr>
-          <p:nvPr/>
+          <p:nvPr>
+            <p:ph sz="half" idx="1"/>
+          </p:nvPr>
         </p:nvPicPr>
         <p:blipFill>
-          <a:blip r:embed="rId3">
+          <a:blip r:embed="rId2">
             <a:extLst>
               <a:ext uri="{28A0092B-C50C-407E-A947-70E740481C1C}">
                 <a14:useLocalDpi xmlns:a14="http://schemas.microsoft.com/office/drawing/2010/main" val="0"/>
@@ -4610,30 +5076,34 @@
         </p:blipFill>
         <p:spPr>
           <a:xfrm>
-            <a:off x="715306" y="1863403"/>
-            <a:ext cx="4026650" cy="2386582"/>
+            <a:off x="5582101" y="1993498"/>
+            <a:ext cx="2475744" cy="4181475"/>
           </a:xfrm>
-          <a:prstGeom prst="rect">
-            <a:avLst/>
-          </a:prstGeom>
+          <a:ln>
+            <a:solidFill>
+              <a:schemeClr val="tx1"/>
+            </a:solidFill>
+          </a:ln>
         </p:spPr>
       </p:pic>
       <p:pic>
         <p:nvPicPr>
-          <p:cNvPr id="12" name="Picture 11">
-            <a:extLst>
-              <a:ext uri="{FF2B5EF4-FFF2-40B4-BE49-F238E27FC236}">
-                <a16:creationId xmlns:a16="http://schemas.microsoft.com/office/drawing/2014/main" id="{E26980A9-693B-4126-810F-A10A1E9C3EA6}"/>
+          <p:cNvPr id="8" name="Content Placeholder 7">
+            <a:extLst>
+              <a:ext uri="{FF2B5EF4-FFF2-40B4-BE49-F238E27FC236}">
+                <a16:creationId xmlns:a16="http://schemas.microsoft.com/office/drawing/2014/main" id="{76CC6F1D-E0AE-4B87-B8E3-C39CED9FD4CE}"/>
               </a:ext>
             </a:extLst>
           </p:cNvPr>
           <p:cNvPicPr>
-            <a:picLocks noChangeAspect="1"/>
+            <a:picLocks noGrp="1" noChangeAspect="1"/>
           </p:cNvPicPr>
-          <p:nvPr/>
+          <p:nvPr>
+            <p:ph sz="half" idx="2"/>
+          </p:nvPr>
         </p:nvPicPr>
         <p:blipFill>
-          <a:blip r:embed="rId4">
+          <a:blip r:embed="rId3">
             <a:extLst>
               <a:ext uri="{28A0092B-C50C-407E-A947-70E740481C1C}">
                 <a14:useLocalDpi xmlns:a14="http://schemas.microsoft.com/office/drawing/2010/main" val="0"/>
@@ -4646,227 +5116,225 @@
         </p:blipFill>
         <p:spPr>
           <a:xfrm>
-            <a:off x="6358535" y="5081877"/>
-            <a:ext cx="4995263" cy="1164234"/>
+            <a:off x="9250089" y="1993498"/>
+            <a:ext cx="1831165" cy="4181475"/>
+          </a:xfrm>
+          <a:ln>
+            <a:solidFill>
+              <a:schemeClr val="tx1"/>
+            </a:solidFill>
+          </a:ln>
+        </p:spPr>
+      </p:pic>
+      <p:sp>
+        <p:nvSpPr>
+          <p:cNvPr id="9" name="Text Placeholder 3">
+            <a:extLst>
+              <a:ext uri="{FF2B5EF4-FFF2-40B4-BE49-F238E27FC236}">
+                <a16:creationId xmlns:a16="http://schemas.microsoft.com/office/drawing/2014/main" id="{4253843E-946D-4366-A268-3AC4BCF6808D}"/>
+              </a:ext>
+            </a:extLst>
+          </p:cNvPr>
+          <p:cNvSpPr txBox="1">
+            <a:spLocks/>
+          </p:cNvSpPr>
+          <p:nvPr/>
+        </p:nvSpPr>
+        <p:spPr>
+          <a:xfrm>
+            <a:off x="1053742" y="1993498"/>
+            <a:ext cx="3932237" cy="3069803"/>
           </a:xfrm>
           <a:prstGeom prst="rect">
             <a:avLst/>
           </a:prstGeom>
         </p:spPr>
-      </p:pic>
-      <p:pic>
-        <p:nvPicPr>
-          <p:cNvPr id="14" name="Picture 13">
-            <a:extLst>
-              <a:ext uri="{FF2B5EF4-FFF2-40B4-BE49-F238E27FC236}">
-                <a16:creationId xmlns:a16="http://schemas.microsoft.com/office/drawing/2014/main" id="{682A9EBC-7210-49FE-BB0A-CD8972CCFF66}"/>
-              </a:ext>
-            </a:extLst>
-          </p:cNvPr>
-          <p:cNvPicPr>
-            <a:picLocks noChangeAspect="1"/>
-          </p:cNvPicPr>
-          <p:nvPr/>
-        </p:nvPicPr>
-        <p:blipFill>
-          <a:blip r:embed="rId5">
-            <a:extLst>
-              <a:ext uri="{28A0092B-C50C-407E-A947-70E740481C1C}">
-                <a14:useLocalDpi xmlns:a14="http://schemas.microsoft.com/office/drawing/2010/main" val="0"/>
-              </a:ext>
-            </a:extLst>
-          </a:blip>
-          <a:stretch>
-            <a:fillRect/>
-          </a:stretch>
-        </p:blipFill>
-        <p:spPr>
-          <a:xfrm>
-            <a:off x="715306" y="5557462"/>
-            <a:ext cx="3644876" cy="762200"/>
-          </a:xfrm>
-          <a:prstGeom prst="rect">
-            <a:avLst/>
-          </a:prstGeom>
-        </p:spPr>
-      </p:pic>
-      <p:pic>
-        <p:nvPicPr>
-          <p:cNvPr id="16" name="Picture 15">
-            <a:extLst>
-              <a:ext uri="{FF2B5EF4-FFF2-40B4-BE49-F238E27FC236}">
-                <a16:creationId xmlns:a16="http://schemas.microsoft.com/office/drawing/2014/main" id="{5F8F55EE-3AF4-4144-8385-10AD774F5982}"/>
-              </a:ext>
-            </a:extLst>
-          </p:cNvPr>
-          <p:cNvPicPr>
-            <a:picLocks noChangeAspect="1"/>
-          </p:cNvPicPr>
-          <p:nvPr/>
-        </p:nvPicPr>
-        <p:blipFill>
-          <a:blip r:embed="rId6">
-            <a:extLst>
-              <a:ext uri="{28A0092B-C50C-407E-A947-70E740481C1C}">
-                <a14:useLocalDpi xmlns:a14="http://schemas.microsoft.com/office/drawing/2010/main" val="0"/>
-              </a:ext>
-            </a:extLst>
-          </a:blip>
-          <a:stretch>
-            <a:fillRect/>
-          </a:stretch>
-        </p:blipFill>
-        <p:spPr>
-          <a:xfrm>
-            <a:off x="715306" y="4523708"/>
-            <a:ext cx="3590364" cy="762200"/>
-          </a:xfrm>
-          <a:prstGeom prst="rect">
-            <a:avLst/>
-          </a:prstGeom>
-        </p:spPr>
-      </p:pic>
-      <p:cxnSp>
-        <p:nvCxnSpPr>
-          <p:cNvPr id="18" name="Straight Connector 17">
-            <a:extLst>
-              <a:ext uri="{FF2B5EF4-FFF2-40B4-BE49-F238E27FC236}">
-                <a16:creationId xmlns:a16="http://schemas.microsoft.com/office/drawing/2014/main" id="{56E6E948-65CB-4F65-848F-77B6075543B1}"/>
-              </a:ext>
-            </a:extLst>
-          </p:cNvPr>
-          <p:cNvCxnSpPr/>
-          <p:nvPr/>
-        </p:nvCxnSpPr>
-        <p:spPr>
-          <a:xfrm>
-            <a:off x="5717219" y="1793289"/>
-            <a:ext cx="0" cy="4346290"/>
-          </a:xfrm>
-          <a:prstGeom prst="line">
-            <a:avLst/>
-          </a:prstGeom>
-        </p:spPr>
-        <p:style>
-          <a:lnRef idx="2">
-            <a:schemeClr val="dk1"/>
-          </a:lnRef>
-          <a:fillRef idx="0">
-            <a:schemeClr val="dk1"/>
-          </a:fillRef>
-          <a:effectRef idx="1">
-            <a:schemeClr val="dk1"/>
-          </a:effectRef>
-          <a:fontRef idx="minor">
-            <a:schemeClr val="tx1"/>
-          </a:fontRef>
-        </p:style>
-      </p:cxnSp>
-      <p:cxnSp>
-        <p:nvCxnSpPr>
-          <p:cNvPr id="20" name="Straight Connector 19">
-            <a:extLst>
-              <a:ext uri="{FF2B5EF4-FFF2-40B4-BE49-F238E27FC236}">
-                <a16:creationId xmlns:a16="http://schemas.microsoft.com/office/drawing/2014/main" id="{A470FAFC-DD74-48A5-A59A-3DE736279C90}"/>
-              </a:ext>
-            </a:extLst>
-          </p:cNvPr>
-          <p:cNvCxnSpPr/>
-          <p:nvPr/>
-        </p:nvCxnSpPr>
-        <p:spPr>
-          <a:xfrm>
-            <a:off x="292963" y="4323425"/>
-            <a:ext cx="11653538" cy="0"/>
-          </a:xfrm>
-          <a:prstGeom prst="line">
-            <a:avLst/>
-          </a:prstGeom>
-        </p:spPr>
-        <p:style>
-          <a:lnRef idx="2">
-            <a:schemeClr val="dk1"/>
-          </a:lnRef>
-          <a:fillRef idx="0">
-            <a:schemeClr val="dk1"/>
-          </a:fillRef>
-          <a:effectRef idx="1">
-            <a:schemeClr val="dk1"/>
-          </a:effectRef>
-          <a:fontRef idx="minor">
-            <a:schemeClr val="tx1"/>
-          </a:fontRef>
-        </p:style>
-      </p:cxnSp>
-      <p:sp>
-        <p:nvSpPr>
-          <p:cNvPr id="21" name="TextBox 20">
-            <a:extLst>
-              <a:ext uri="{FF2B5EF4-FFF2-40B4-BE49-F238E27FC236}">
-                <a16:creationId xmlns:a16="http://schemas.microsoft.com/office/drawing/2014/main" id="{6B6FE201-17E5-4A10-85EC-25A86AE7C3A1}"/>
-              </a:ext>
-            </a:extLst>
-          </p:cNvPr>
-          <p:cNvSpPr txBox="1"/>
-          <p:nvPr/>
-        </p:nvSpPr>
-        <p:spPr>
-          <a:xfrm>
-            <a:off x="6358535" y="4560429"/>
-            <a:ext cx="4227959" cy="378196"/>
-          </a:xfrm>
-          <a:prstGeom prst="rect">
-            <a:avLst/>
-          </a:prstGeom>
-          <a:noFill/>
-        </p:spPr>
-        <p:txBody>
-          <a:bodyPr wrap="square" rtlCol="0">
-            <a:spAutoFit/>
+        <p:txBody>
+          <a:bodyPr vert="horz" lIns="0" tIns="0" rIns="0" bIns="0" rtlCol="0">
+            <a:normAutofit/>
           </a:bodyPr>
-          <a:lstStyle/>
+          <a:lstStyle>
+            <a:lvl1pPr marL="228600" indent="-228600" algn="l" defTabSz="914400" rtl="0" eaLnBrk="1" latinLnBrk="0" hangingPunct="1">
+              <a:lnSpc>
+                <a:spcPct val="120000"/>
+              </a:lnSpc>
+              <a:spcBef>
+                <a:spcPts val="1000"/>
+              </a:spcBef>
+              <a:buFont typeface="Arial" panose="020B0604020202020204" pitchFamily="34" charset="0"/>
+              <a:buChar char="•"/>
+              <a:defRPr sz="2400" kern="1200">
+                <a:solidFill>
+                  <a:schemeClr val="tx1"/>
+                </a:solidFill>
+                <a:latin typeface="+mn-lt"/>
+                <a:ea typeface="+mn-ea"/>
+                <a:cs typeface="+mn-cs"/>
+              </a:defRPr>
+            </a:lvl1pPr>
+            <a:lvl2pPr marL="685800" indent="-228600" algn="l" defTabSz="914400" rtl="0" eaLnBrk="1" latinLnBrk="0" hangingPunct="1">
+              <a:lnSpc>
+                <a:spcPct val="120000"/>
+              </a:lnSpc>
+              <a:spcBef>
+                <a:spcPts val="500"/>
+              </a:spcBef>
+              <a:buFont typeface="Arial" panose="020B0604020202020204" pitchFamily="34" charset="0"/>
+              <a:buChar char="•"/>
+              <a:defRPr sz="2400" kern="1200">
+                <a:solidFill>
+                  <a:schemeClr val="tx1"/>
+                </a:solidFill>
+                <a:latin typeface="+mn-lt"/>
+                <a:ea typeface="+mn-ea"/>
+                <a:cs typeface="+mn-cs"/>
+              </a:defRPr>
+            </a:lvl2pPr>
+            <a:lvl3pPr marL="1143000" indent="-228600" algn="l" defTabSz="914400" rtl="0" eaLnBrk="1" latinLnBrk="0" hangingPunct="1">
+              <a:lnSpc>
+                <a:spcPct val="120000"/>
+              </a:lnSpc>
+              <a:spcBef>
+                <a:spcPts val="500"/>
+              </a:spcBef>
+              <a:buFont typeface="Arial" panose="020B0604020202020204" pitchFamily="34" charset="0"/>
+              <a:buChar char="•"/>
+              <a:defRPr sz="2000" kern="1200">
+                <a:solidFill>
+                  <a:schemeClr val="tx1"/>
+                </a:solidFill>
+                <a:latin typeface="+mn-lt"/>
+                <a:ea typeface="+mn-ea"/>
+                <a:cs typeface="+mn-cs"/>
+              </a:defRPr>
+            </a:lvl3pPr>
+            <a:lvl4pPr marL="1600200" indent="-228600" algn="l" defTabSz="914400" rtl="0" eaLnBrk="1" latinLnBrk="0" hangingPunct="1">
+              <a:lnSpc>
+                <a:spcPct val="120000"/>
+              </a:lnSpc>
+              <a:spcBef>
+                <a:spcPts val="500"/>
+              </a:spcBef>
+              <a:buFont typeface="Arial" panose="020B0604020202020204" pitchFamily="34" charset="0"/>
+              <a:buChar char="•"/>
+              <a:defRPr sz="1800" kern="1200">
+                <a:solidFill>
+                  <a:schemeClr val="tx1"/>
+                </a:solidFill>
+                <a:latin typeface="+mn-lt"/>
+                <a:ea typeface="+mn-ea"/>
+                <a:cs typeface="+mn-cs"/>
+              </a:defRPr>
+            </a:lvl4pPr>
+            <a:lvl5pPr marL="2057400" indent="-228600" algn="l" defTabSz="914400" rtl="0" eaLnBrk="1" latinLnBrk="0" hangingPunct="1">
+              <a:lnSpc>
+                <a:spcPct val="120000"/>
+              </a:lnSpc>
+              <a:spcBef>
+                <a:spcPts val="500"/>
+              </a:spcBef>
+              <a:buFont typeface="Arial" panose="020B0604020202020204" pitchFamily="34" charset="0"/>
+              <a:buChar char="•"/>
+              <a:defRPr sz="1800" kern="1200">
+                <a:solidFill>
+                  <a:schemeClr val="tx1"/>
+                </a:solidFill>
+                <a:latin typeface="+mn-lt"/>
+                <a:ea typeface="+mn-ea"/>
+                <a:cs typeface="+mn-cs"/>
+              </a:defRPr>
+            </a:lvl5pPr>
+            <a:lvl6pPr marL="2514600" indent="-228600" algn="l" defTabSz="914400" rtl="0" eaLnBrk="1" latinLnBrk="0" hangingPunct="1">
+              <a:lnSpc>
+                <a:spcPct val="90000"/>
+              </a:lnSpc>
+              <a:spcBef>
+                <a:spcPts val="500"/>
+              </a:spcBef>
+              <a:buFont typeface="Arial" panose="020B0604020202020204" pitchFamily="34" charset="0"/>
+              <a:buChar char="•"/>
+              <a:defRPr sz="1800" kern="1200">
+                <a:solidFill>
+                  <a:schemeClr val="tx1"/>
+                </a:solidFill>
+                <a:latin typeface="+mn-lt"/>
+                <a:ea typeface="+mn-ea"/>
+                <a:cs typeface="+mn-cs"/>
+              </a:defRPr>
+            </a:lvl6pPr>
+            <a:lvl7pPr marL="2971800" indent="-228600" algn="l" defTabSz="914400" rtl="0" eaLnBrk="1" latinLnBrk="0" hangingPunct="1">
+              <a:lnSpc>
+                <a:spcPct val="90000"/>
+              </a:lnSpc>
+              <a:spcBef>
+                <a:spcPts val="500"/>
+              </a:spcBef>
+              <a:buFont typeface="Arial" panose="020B0604020202020204" pitchFamily="34" charset="0"/>
+              <a:buChar char="•"/>
+              <a:defRPr sz="1800" kern="1200">
+                <a:solidFill>
+                  <a:schemeClr val="tx1"/>
+                </a:solidFill>
+                <a:latin typeface="+mn-lt"/>
+                <a:ea typeface="+mn-ea"/>
+                <a:cs typeface="+mn-cs"/>
+              </a:defRPr>
+            </a:lvl7pPr>
+            <a:lvl8pPr marL="3429000" indent="-228600" algn="l" defTabSz="914400" rtl="0" eaLnBrk="1" latinLnBrk="0" hangingPunct="1">
+              <a:lnSpc>
+                <a:spcPct val="90000"/>
+              </a:lnSpc>
+              <a:spcBef>
+                <a:spcPts val="500"/>
+              </a:spcBef>
+              <a:buFont typeface="Arial" panose="020B0604020202020204" pitchFamily="34" charset="0"/>
+              <a:buChar char="•"/>
+              <a:defRPr sz="1800" kern="1200">
+                <a:solidFill>
+                  <a:schemeClr val="tx1"/>
+                </a:solidFill>
+                <a:latin typeface="+mn-lt"/>
+                <a:ea typeface="+mn-ea"/>
+                <a:cs typeface="+mn-cs"/>
+              </a:defRPr>
+            </a:lvl8pPr>
+            <a:lvl9pPr marL="3886200" indent="-228600" algn="l" defTabSz="914400" rtl="0" eaLnBrk="1" latinLnBrk="0" hangingPunct="1">
+              <a:lnSpc>
+                <a:spcPct val="90000"/>
+              </a:lnSpc>
+              <a:spcBef>
+                <a:spcPts val="500"/>
+              </a:spcBef>
+              <a:buFont typeface="Arial" panose="020B0604020202020204" pitchFamily="34" charset="0"/>
+              <a:buChar char="•"/>
+              <a:defRPr sz="1800" kern="1200">
+                <a:solidFill>
+                  <a:schemeClr val="tx1"/>
+                </a:solidFill>
+                <a:latin typeface="+mn-lt"/>
+                <a:ea typeface="+mn-ea"/>
+                <a:cs typeface="+mn-cs"/>
+              </a:defRPr>
+            </a:lvl9pPr>
+          </a:lstStyle>
           <a:p>
             <a:r>
               <a:rPr lang="en-US" dirty="0"/>
-              <a:t>Profit = -13.356 + 17.28 * odds</a:t>
-            </a:r>
-          </a:p>
-        </p:txBody>
-      </p:sp>
-      <p:pic>
-        <p:nvPicPr>
-          <p:cNvPr id="22" name="Picture 21">
-            <a:extLst>
-              <a:ext uri="{FF2B5EF4-FFF2-40B4-BE49-F238E27FC236}">
-                <a16:creationId xmlns:a16="http://schemas.microsoft.com/office/drawing/2014/main" id="{2BBDFF6C-3725-4C4C-BE9B-5C1AEF91F45C}"/>
-              </a:ext>
-            </a:extLst>
-          </p:cNvPr>
-          <p:cNvPicPr>
-            <a:picLocks noChangeAspect="1"/>
-          </p:cNvPicPr>
-          <p:nvPr/>
-        </p:nvPicPr>
-        <p:blipFill>
-          <a:blip r:embed="rId7"/>
-          <a:stretch>
-            <a:fillRect/>
-          </a:stretch>
-        </p:blipFill>
-        <p:spPr>
-          <a:xfrm>
-            <a:off x="8708993" y="101829"/>
-            <a:ext cx="3237508" cy="1944229"/>
-          </a:xfrm>
-          <a:prstGeom prst="rect">
-            <a:avLst/>
-          </a:prstGeom>
-        </p:spPr>
-      </p:pic>
+              <a:t>Better the odds will typically provide a higher probability of profit.</a:t>
+            </a:r>
+          </a:p>
+          <a:p>
+            <a:r>
+              <a:rPr lang="en-US" dirty="0"/>
+              <a:t>Higher profit on average for lower odds, but lower probability of winning</a:t>
+            </a:r>
+          </a:p>
+        </p:txBody>
+      </p:sp>
     </p:spTree>
     <p:extLst>
       <p:ext uri="{BB962C8B-B14F-4D97-AF65-F5344CB8AC3E}">
-        <p14:creationId xmlns:p14="http://schemas.microsoft.com/office/powerpoint/2010/main" val="3035487685"/>
+        <p14:creationId xmlns:p14="http://schemas.microsoft.com/office/powerpoint/2010/main" val="1652967116"/>
       </p:ext>
     </p:extLst>
   </p:cSld>
